--- a/Python과제/Python_13강.pptx
+++ b/Python과제/Python_13강.pptx
@@ -6,25 +6,31 @@
   </p:sldMasterIdLst>
   <p:sldIdLst>
     <p:sldId id="256" r:id="rId2"/>
-    <p:sldId id="270" r:id="rId3"/>
-    <p:sldId id="271" r:id="rId4"/>
-    <p:sldId id="272" r:id="rId5"/>
-    <p:sldId id="273" r:id="rId6"/>
-    <p:sldId id="279" r:id="rId7"/>
-    <p:sldId id="280" r:id="rId8"/>
-    <p:sldId id="281" r:id="rId9"/>
-    <p:sldId id="282" r:id="rId10"/>
-    <p:sldId id="283" r:id="rId11"/>
-    <p:sldId id="284" r:id="rId12"/>
-    <p:sldId id="285" r:id="rId13"/>
-    <p:sldId id="286" r:id="rId14"/>
-    <p:sldId id="287" r:id="rId15"/>
-    <p:sldId id="288" r:id="rId16"/>
-    <p:sldId id="274" r:id="rId17"/>
-    <p:sldId id="275" r:id="rId18"/>
-    <p:sldId id="276" r:id="rId19"/>
-    <p:sldId id="277" r:id="rId20"/>
-    <p:sldId id="278" r:id="rId21"/>
+    <p:sldId id="293" r:id="rId3"/>
+    <p:sldId id="294" r:id="rId4"/>
+    <p:sldId id="270" r:id="rId5"/>
+    <p:sldId id="271" r:id="rId6"/>
+    <p:sldId id="272" r:id="rId7"/>
+    <p:sldId id="273" r:id="rId8"/>
+    <p:sldId id="279" r:id="rId9"/>
+    <p:sldId id="280" r:id="rId10"/>
+    <p:sldId id="281" r:id="rId11"/>
+    <p:sldId id="282" r:id="rId12"/>
+    <p:sldId id="283" r:id="rId13"/>
+    <p:sldId id="284" r:id="rId14"/>
+    <p:sldId id="285" r:id="rId15"/>
+    <p:sldId id="286" r:id="rId16"/>
+    <p:sldId id="287" r:id="rId17"/>
+    <p:sldId id="295" r:id="rId18"/>
+    <p:sldId id="288" r:id="rId19"/>
+    <p:sldId id="274" r:id="rId20"/>
+    <p:sldId id="275" r:id="rId21"/>
+    <p:sldId id="296" r:id="rId22"/>
+    <p:sldId id="276" r:id="rId23"/>
+    <p:sldId id="277" r:id="rId24"/>
+    <p:sldId id="278" r:id="rId25"/>
+    <p:sldId id="291" r:id="rId26"/>
+    <p:sldId id="292" r:id="rId27"/>
   </p:sldIdLst>
   <p:sldSz cx="12192000" cy="6858000"/>
   <p:notesSz cx="6858000" cy="9144000"/>
@@ -327,7 +333,7 @@
           <a:p>
             <a:fld id="{96DFF08F-DC6B-4601-B491-B0F83F6DD2DA}" type="datetimeFigureOut">
               <a:rPr lang="en-US" smtClean="0"/>
-              <a:t>5/5/2023</a:t>
+              <a:t>5/7/2023</a:t>
             </a:fld>
             <a:endParaRPr lang="en-US" dirty="0"/>
           </a:p>
@@ -548,7 +554,7 @@
           <a:p>
             <a:fld id="{96DFF08F-DC6B-4601-B491-B0F83F6DD2DA}" type="datetimeFigureOut">
               <a:rPr lang="en-US" smtClean="0"/>
-              <a:t>5/5/2023</a:t>
+              <a:t>5/7/2023</a:t>
             </a:fld>
             <a:endParaRPr lang="en-US" dirty="0"/>
           </a:p>
@@ -728,7 +734,7 @@
           <a:p>
             <a:fld id="{96DFF08F-DC6B-4601-B491-B0F83F6DD2DA}" type="datetimeFigureOut">
               <a:rPr lang="en-US" smtClean="0"/>
-              <a:t>5/5/2023</a:t>
+              <a:t>5/7/2023</a:t>
             </a:fld>
             <a:endParaRPr lang="en-US" dirty="0"/>
           </a:p>
@@ -898,7 +904,7 @@
           <a:p>
             <a:fld id="{96DFF08F-DC6B-4601-B491-B0F83F6DD2DA}" type="datetimeFigureOut">
               <a:rPr lang="en-US" smtClean="0"/>
-              <a:t>5/5/2023</a:t>
+              <a:t>5/7/2023</a:t>
             </a:fld>
             <a:endParaRPr lang="en-US" dirty="0"/>
           </a:p>
@@ -1149,7 +1155,7 @@
           <a:p>
             <a:fld id="{96DFF08F-DC6B-4601-B491-B0F83F6DD2DA}" type="datetimeFigureOut">
               <a:rPr lang="en-US" smtClean="0"/>
-              <a:t>5/5/2023</a:t>
+              <a:t>5/7/2023</a:t>
             </a:fld>
             <a:endParaRPr lang="en-US" dirty="0"/>
           </a:p>
@@ -1472,7 +1478,7 @@
           <a:p>
             <a:fld id="{96DFF08F-DC6B-4601-B491-B0F83F6DD2DA}" type="datetimeFigureOut">
               <a:rPr lang="en-US" smtClean="0"/>
-              <a:t>5/5/2023</a:t>
+              <a:t>5/7/2023</a:t>
             </a:fld>
             <a:endParaRPr lang="en-US" dirty="0"/>
           </a:p>
@@ -1896,7 +1902,7 @@
           <a:p>
             <a:fld id="{96DFF08F-DC6B-4601-B491-B0F83F6DD2DA}" type="datetimeFigureOut">
               <a:rPr lang="en-US" smtClean="0"/>
-              <a:t>5/5/2023</a:t>
+              <a:t>5/7/2023</a:t>
             </a:fld>
             <a:endParaRPr lang="en-US" dirty="0"/>
           </a:p>
@@ -2014,7 +2020,7 @@
           <a:p>
             <a:fld id="{96DFF08F-DC6B-4601-B491-B0F83F6DD2DA}" type="datetimeFigureOut">
               <a:rPr lang="en-US" smtClean="0"/>
-              <a:t>5/5/2023</a:t>
+              <a:t>5/7/2023</a:t>
             </a:fld>
             <a:endParaRPr lang="en-US" dirty="0"/>
           </a:p>
@@ -2109,7 +2115,7 @@
           <a:p>
             <a:fld id="{96DFF08F-DC6B-4601-B491-B0F83F6DD2DA}" type="datetimeFigureOut">
               <a:rPr lang="en-US" smtClean="0"/>
-              <a:t>5/5/2023</a:t>
+              <a:t>5/7/2023</a:t>
             </a:fld>
             <a:endParaRPr lang="en-US" dirty="0"/>
           </a:p>
@@ -2399,7 +2405,7 @@
           <a:p>
             <a:fld id="{96DFF08F-DC6B-4601-B491-B0F83F6DD2DA}" type="datetimeFigureOut">
               <a:rPr lang="en-US" smtClean="0"/>
-              <a:t>5/5/2023</a:t>
+              <a:t>5/7/2023</a:t>
             </a:fld>
             <a:endParaRPr lang="en-US" dirty="0"/>
           </a:p>
@@ -2671,7 +2677,7 @@
           <a:p>
             <a:fld id="{96DFF08F-DC6B-4601-B491-B0F83F6DD2DA}" type="datetimeFigureOut">
               <a:rPr lang="en-US" smtClean="0"/>
-              <a:t>5/5/2023</a:t>
+              <a:t>5/7/2023</a:t>
             </a:fld>
             <a:endParaRPr lang="en-US" dirty="0"/>
           </a:p>
@@ -2926,7 +2932,7 @@
             <a:fld id="{96DFF08F-DC6B-4601-B491-B0F83F6DD2DA}" type="datetimeFigureOut">
               <a:rPr lang="en-US" smtClean="0"/>
               <a:pPr/>
-              <a:t>5/5/2023</a:t>
+              <a:t>5/7/2023</a:t>
             </a:fld>
             <a:endParaRPr lang="en-US" dirty="0"/>
           </a:p>
@@ -3548,6 +3554,216 @@
       </p:grpSpPr>
       <p:pic>
         <p:nvPicPr>
+          <p:cNvPr id="5" name="그림 4">
+            <a:extLst>
+              <a:ext uri="{FF2B5EF4-FFF2-40B4-BE49-F238E27FC236}">
+                <a16:creationId xmlns:a16="http://schemas.microsoft.com/office/drawing/2014/main" id="{0BCF94C1-2BF1-96CE-3FFB-C62E10A6C2B4}"/>
+              </a:ext>
+            </a:extLst>
+          </p:cNvPr>
+          <p:cNvPicPr>
+            <a:picLocks noChangeAspect="1"/>
+          </p:cNvPicPr>
+          <p:nvPr/>
+        </p:nvPicPr>
+        <p:blipFill>
+          <a:blip r:embed="rId2"/>
+          <a:stretch>
+            <a:fillRect/>
+          </a:stretch>
+        </p:blipFill>
+        <p:spPr>
+          <a:xfrm>
+            <a:off x="396818" y="410715"/>
+            <a:ext cx="11363623" cy="4912399"/>
+          </a:xfrm>
+          <a:prstGeom prst="rect">
+            <a:avLst/>
+          </a:prstGeom>
+        </p:spPr>
+      </p:pic>
+    </p:spTree>
+    <p:extLst>
+      <p:ext uri="{BB962C8B-B14F-4D97-AF65-F5344CB8AC3E}">
+        <p14:creationId xmlns:p14="http://schemas.microsoft.com/office/powerpoint/2010/main" val="330334828"/>
+      </p:ext>
+    </p:extLst>
+  </p:cSld>
+  <p:clrMapOvr>
+    <a:masterClrMapping/>
+  </p:clrMapOvr>
+</p:sld>
+</file>
+
+<file path=ppt/slides/slide11.xml><?xml version="1.0" encoding="utf-8"?>
+<p:sld xmlns:a="http://schemas.openxmlformats.org/drawingml/2006/main" xmlns:r="http://schemas.openxmlformats.org/officeDocument/2006/relationships" xmlns:p="http://schemas.openxmlformats.org/presentationml/2006/main">
+  <p:cSld>
+    <p:spTree>
+      <p:nvGrpSpPr>
+        <p:cNvPr id="1" name=""/>
+        <p:cNvGrpSpPr/>
+        <p:nvPr/>
+      </p:nvGrpSpPr>
+      <p:grpSpPr>
+        <a:xfrm>
+          <a:off x="0" y="0"/>
+          <a:ext cx="0" cy="0"/>
+          <a:chOff x="0" y="0"/>
+          <a:chExt cx="0" cy="0"/>
+        </a:xfrm>
+      </p:grpSpPr>
+      <p:pic>
+        <p:nvPicPr>
+          <p:cNvPr id="3" name="그림 2">
+            <a:extLst>
+              <a:ext uri="{FF2B5EF4-FFF2-40B4-BE49-F238E27FC236}">
+                <a16:creationId xmlns:a16="http://schemas.microsoft.com/office/drawing/2014/main" id="{BC88C282-C6FA-8A53-E67D-276A7723DE7F}"/>
+              </a:ext>
+            </a:extLst>
+          </p:cNvPr>
+          <p:cNvPicPr>
+            <a:picLocks noChangeAspect="1"/>
+          </p:cNvPicPr>
+          <p:nvPr/>
+        </p:nvPicPr>
+        <p:blipFill>
+          <a:blip r:embed="rId2"/>
+          <a:stretch>
+            <a:fillRect/>
+          </a:stretch>
+        </p:blipFill>
+        <p:spPr>
+          <a:xfrm>
+            <a:off x="368622" y="398400"/>
+            <a:ext cx="2783118" cy="6100371"/>
+          </a:xfrm>
+          <a:prstGeom prst="rect">
+            <a:avLst/>
+          </a:prstGeom>
+        </p:spPr>
+      </p:pic>
+      <p:pic>
+        <p:nvPicPr>
+          <p:cNvPr id="5" name="그림 4">
+            <a:extLst>
+              <a:ext uri="{FF2B5EF4-FFF2-40B4-BE49-F238E27FC236}">
+                <a16:creationId xmlns:a16="http://schemas.microsoft.com/office/drawing/2014/main" id="{61C93AED-CC5D-F21A-0F47-FFBD9AF86B4C}"/>
+              </a:ext>
+            </a:extLst>
+          </p:cNvPr>
+          <p:cNvPicPr>
+            <a:picLocks noChangeAspect="1"/>
+          </p:cNvPicPr>
+          <p:nvPr/>
+        </p:nvPicPr>
+        <p:blipFill>
+          <a:blip r:embed="rId3"/>
+          <a:stretch>
+            <a:fillRect/>
+          </a:stretch>
+        </p:blipFill>
+        <p:spPr>
+          <a:xfrm>
+            <a:off x="3151740" y="398400"/>
+            <a:ext cx="2783118" cy="6117209"/>
+          </a:xfrm>
+          <a:prstGeom prst="rect">
+            <a:avLst/>
+          </a:prstGeom>
+        </p:spPr>
+      </p:pic>
+      <p:pic>
+        <p:nvPicPr>
+          <p:cNvPr id="7" name="그림 6">
+            <a:extLst>
+              <a:ext uri="{FF2B5EF4-FFF2-40B4-BE49-F238E27FC236}">
+                <a16:creationId xmlns:a16="http://schemas.microsoft.com/office/drawing/2014/main" id="{E3FA5B97-553B-0D0A-D74F-901EC8C265F6}"/>
+              </a:ext>
+            </a:extLst>
+          </p:cNvPr>
+          <p:cNvPicPr>
+            <a:picLocks noChangeAspect="1"/>
+          </p:cNvPicPr>
+          <p:nvPr/>
+        </p:nvPicPr>
+        <p:blipFill>
+          <a:blip r:embed="rId4"/>
+          <a:stretch>
+            <a:fillRect/>
+          </a:stretch>
+        </p:blipFill>
+        <p:spPr>
+          <a:xfrm>
+            <a:off x="5934858" y="398399"/>
+            <a:ext cx="2777998" cy="6117209"/>
+          </a:xfrm>
+          <a:prstGeom prst="rect">
+            <a:avLst/>
+          </a:prstGeom>
+        </p:spPr>
+      </p:pic>
+      <p:pic>
+        <p:nvPicPr>
+          <p:cNvPr id="9" name="그림 8">
+            <a:extLst>
+              <a:ext uri="{FF2B5EF4-FFF2-40B4-BE49-F238E27FC236}">
+                <a16:creationId xmlns:a16="http://schemas.microsoft.com/office/drawing/2014/main" id="{1E8ABE90-0E59-9DE8-BF7A-97246044C826}"/>
+              </a:ext>
+            </a:extLst>
+          </p:cNvPr>
+          <p:cNvPicPr>
+            <a:picLocks noChangeAspect="1"/>
+          </p:cNvPicPr>
+          <p:nvPr/>
+        </p:nvPicPr>
+        <p:blipFill>
+          <a:blip r:embed="rId5"/>
+          <a:stretch>
+            <a:fillRect/>
+          </a:stretch>
+        </p:blipFill>
+        <p:spPr>
+          <a:xfrm>
+            <a:off x="8712856" y="398398"/>
+            <a:ext cx="2777998" cy="2027939"/>
+          </a:xfrm>
+          <a:prstGeom prst="rect">
+            <a:avLst/>
+          </a:prstGeom>
+        </p:spPr>
+      </p:pic>
+    </p:spTree>
+    <p:extLst>
+      <p:ext uri="{BB962C8B-B14F-4D97-AF65-F5344CB8AC3E}">
+        <p14:creationId xmlns:p14="http://schemas.microsoft.com/office/powerpoint/2010/main" val="1031633631"/>
+      </p:ext>
+    </p:extLst>
+  </p:cSld>
+  <p:clrMapOvr>
+    <a:masterClrMapping/>
+  </p:clrMapOvr>
+</p:sld>
+</file>
+
+<file path=ppt/slides/slide12.xml><?xml version="1.0" encoding="utf-8"?>
+<p:sld xmlns:a="http://schemas.openxmlformats.org/drawingml/2006/main" xmlns:r="http://schemas.openxmlformats.org/officeDocument/2006/relationships" xmlns:p="http://schemas.openxmlformats.org/presentationml/2006/main">
+  <p:cSld>
+    <p:spTree>
+      <p:nvGrpSpPr>
+        <p:cNvPr id="1" name=""/>
+        <p:cNvGrpSpPr/>
+        <p:nvPr/>
+      </p:nvGrpSpPr>
+      <p:grpSpPr>
+        <a:xfrm>
+          <a:off x="0" y="0"/>
+          <a:ext cx="0" cy="0"/>
+          <a:chOff x="0" y="0"/>
+          <a:chExt cx="0" cy="0"/>
+        </a:xfrm>
+      </p:grpSpPr>
+      <p:pic>
+        <p:nvPicPr>
           <p:cNvPr id="3" name="그림 2">
             <a:extLst>
               <a:ext uri="{FF2B5EF4-FFF2-40B4-BE49-F238E27FC236}">
@@ -3589,7 +3805,7 @@
 </p:sld>
 </file>
 
-<file path=ppt/slides/slide11.xml><?xml version="1.0" encoding="utf-8"?>
+<file path=ppt/slides/slide13.xml><?xml version="1.0" encoding="utf-8"?>
 <p:sld xmlns:a="http://schemas.openxmlformats.org/drawingml/2006/main" xmlns:r="http://schemas.openxmlformats.org/officeDocument/2006/relationships" xmlns:p="http://schemas.openxmlformats.org/presentationml/2006/main">
   <p:cSld>
     <p:spTree>
@@ -3799,7 +4015,7 @@
 </p:sld>
 </file>
 
-<file path=ppt/slides/slide12.xml><?xml version="1.0" encoding="utf-8"?>
+<file path=ppt/slides/slide14.xml><?xml version="1.0" encoding="utf-8"?>
 <p:sld xmlns:a="http://schemas.openxmlformats.org/drawingml/2006/main" xmlns:r="http://schemas.openxmlformats.org/officeDocument/2006/relationships" xmlns:p="http://schemas.openxmlformats.org/presentationml/2006/main">
   <p:cSld>
     <p:spTree>
@@ -3889,7 +4105,7 @@
 </p:sld>
 </file>
 
-<file path=ppt/slides/slide13.xml><?xml version="1.0" encoding="utf-8"?>
+<file path=ppt/slides/slide15.xml><?xml version="1.0" encoding="utf-8"?>
 <p:sld xmlns:a="http://schemas.openxmlformats.org/drawingml/2006/main" xmlns:r="http://schemas.openxmlformats.org/officeDocument/2006/relationships" xmlns:p="http://schemas.openxmlformats.org/presentationml/2006/main">
   <p:cSld>
     <p:spTree>
@@ -3979,7 +4195,7 @@
 </p:sld>
 </file>
 
-<file path=ppt/slides/slide14.xml><?xml version="1.0" encoding="utf-8"?>
+<file path=ppt/slides/slide16.xml><?xml version="1.0" encoding="utf-8"?>
 <p:sld xmlns:a="http://schemas.openxmlformats.org/drawingml/2006/main" xmlns:r="http://schemas.openxmlformats.org/officeDocument/2006/relationships" xmlns:p="http://schemas.openxmlformats.org/presentationml/2006/main">
   <p:cSld>
     <p:spTree>
@@ -4069,7 +4285,102 @@
 </p:sld>
 </file>
 
-<file path=ppt/slides/slide15.xml><?xml version="1.0" encoding="utf-8"?>
+<file path=ppt/slides/slide17.xml><?xml version="1.0" encoding="utf-8"?>
+<p:sld xmlns:a="http://schemas.openxmlformats.org/drawingml/2006/main" xmlns:r="http://schemas.openxmlformats.org/officeDocument/2006/relationships" xmlns:p="http://schemas.openxmlformats.org/presentationml/2006/main">
+  <p:cSld>
+    <p:spTree>
+      <p:nvGrpSpPr>
+        <p:cNvPr id="1" name=""/>
+        <p:cNvGrpSpPr/>
+        <p:nvPr/>
+      </p:nvGrpSpPr>
+      <p:grpSpPr>
+        <a:xfrm>
+          <a:off x="0" y="0"/>
+          <a:ext cx="0" cy="0"/>
+          <a:chOff x="0" y="0"/>
+          <a:chExt cx="0" cy="0"/>
+        </a:xfrm>
+      </p:grpSpPr>
+      <p:sp>
+        <p:nvSpPr>
+          <p:cNvPr id="2" name="TextBox 1">
+            <a:extLst>
+              <a:ext uri="{FF2B5EF4-FFF2-40B4-BE49-F238E27FC236}">
+                <a16:creationId xmlns:a16="http://schemas.microsoft.com/office/drawing/2014/main" id="{6D5E47BA-144B-6E25-E282-8F211ABD5221}"/>
+              </a:ext>
+            </a:extLst>
+          </p:cNvPr>
+          <p:cNvSpPr txBox="1"/>
+          <p:nvPr/>
+        </p:nvSpPr>
+        <p:spPr>
+          <a:xfrm>
+            <a:off x="1139371" y="2610838"/>
+            <a:ext cx="9913258" cy="830997"/>
+          </a:xfrm>
+          <a:prstGeom prst="rect">
+            <a:avLst/>
+          </a:prstGeom>
+          <a:noFill/>
+        </p:spPr>
+        <p:txBody>
+          <a:bodyPr wrap="square" rtlCol="0">
+            <a:spAutoFit/>
+          </a:bodyPr>
+          <a:lstStyle/>
+          <a:p>
+            <a:pPr algn="ctr"/>
+            <a:r>
+              <a:rPr lang="en-US" altLang="ko-KR" sz="4800" b="1" dirty="0">
+                <a:solidFill>
+                  <a:schemeClr val="accent1"/>
+                </a:solidFill>
+                <a:latin typeface="+mn-ea"/>
+              </a:rPr>
+              <a:t>&lt; </a:t>
+            </a:r>
+            <a:r>
+              <a:rPr lang="ko-KR" altLang="en-US" sz="4800" b="1" dirty="0">
+                <a:solidFill>
+                  <a:schemeClr val="accent1"/>
+                </a:solidFill>
+                <a:latin typeface="+mn-ea"/>
+              </a:rPr>
+              <a:t>메서드 </a:t>
+            </a:r>
+            <a:r>
+              <a:rPr lang="en-US" altLang="ko-KR" sz="4800" b="1" dirty="0">
+                <a:solidFill>
+                  <a:schemeClr val="accent1"/>
+                </a:solidFill>
+                <a:latin typeface="+mn-ea"/>
+              </a:rPr>
+              <a:t>&gt;</a:t>
+            </a:r>
+            <a:endParaRPr lang="ko-KR" altLang="en-US" sz="4800" b="1" dirty="0">
+              <a:solidFill>
+                <a:schemeClr val="accent1"/>
+              </a:solidFill>
+              <a:latin typeface="+mn-ea"/>
+            </a:endParaRPr>
+          </a:p>
+        </p:txBody>
+      </p:sp>
+    </p:spTree>
+    <p:extLst>
+      <p:ext uri="{BB962C8B-B14F-4D97-AF65-F5344CB8AC3E}">
+        <p14:creationId xmlns:p14="http://schemas.microsoft.com/office/powerpoint/2010/main" val="1967677753"/>
+      </p:ext>
+    </p:extLst>
+  </p:cSld>
+  <p:clrMapOvr>
+    <a:masterClrMapping/>
+  </p:clrMapOvr>
+</p:sld>
+</file>
+
+<file path=ppt/slides/slide18.xml><?xml version="1.0" encoding="utf-8"?>
 <p:sld xmlns:a="http://schemas.openxmlformats.org/drawingml/2006/main" xmlns:r="http://schemas.openxmlformats.org/officeDocument/2006/relationships" xmlns:p="http://schemas.openxmlformats.org/presentationml/2006/main">
   <p:cSld>
     <p:spTree>
@@ -4159,7 +4470,7 @@
 </p:sld>
 </file>
 
-<file path=ppt/slides/slide16.xml><?xml version="1.0" encoding="utf-8"?>
+<file path=ppt/slides/slide19.xml><?xml version="1.0" encoding="utf-8"?>
 <p:sld xmlns:a="http://schemas.openxmlformats.org/drawingml/2006/main" xmlns:r="http://schemas.openxmlformats.org/officeDocument/2006/relationships" xmlns:p="http://schemas.openxmlformats.org/presentationml/2006/main">
   <p:cSld>
     <p:spTree>
@@ -4249,7 +4560,124 @@
 </p:sld>
 </file>
 
-<file path=ppt/slides/slide17.xml><?xml version="1.0" encoding="utf-8"?>
+<file path=ppt/slides/slide2.xml><?xml version="1.0" encoding="utf-8"?>
+<p:sld xmlns:a="http://schemas.openxmlformats.org/drawingml/2006/main" xmlns:r="http://schemas.openxmlformats.org/officeDocument/2006/relationships" xmlns:p="http://schemas.openxmlformats.org/presentationml/2006/main">
+  <p:cSld>
+    <p:spTree>
+      <p:nvGrpSpPr>
+        <p:cNvPr id="1" name=""/>
+        <p:cNvGrpSpPr/>
+        <p:nvPr/>
+      </p:nvGrpSpPr>
+      <p:grpSpPr>
+        <a:xfrm>
+          <a:off x="0" y="0"/>
+          <a:ext cx="0" cy="0"/>
+          <a:chOff x="0" y="0"/>
+          <a:chExt cx="0" cy="0"/>
+        </a:xfrm>
+      </p:grpSpPr>
+      <p:sp>
+        <p:nvSpPr>
+          <p:cNvPr id="2" name="제목 1">
+            <a:extLst>
+              <a:ext uri="{FF2B5EF4-FFF2-40B4-BE49-F238E27FC236}">
+                <a16:creationId xmlns:a16="http://schemas.microsoft.com/office/drawing/2014/main" id="{0E0D856F-4106-A50C-D169-B97267D7C681}"/>
+              </a:ext>
+            </a:extLst>
+          </p:cNvPr>
+          <p:cNvSpPr>
+            <a:spLocks noGrp="1"/>
+          </p:cNvSpPr>
+          <p:nvPr>
+            <p:ph type="title"/>
+          </p:nvPr>
+        </p:nvSpPr>
+        <p:spPr/>
+        <p:txBody>
+          <a:bodyPr/>
+          <a:lstStyle/>
+          <a:p>
+            <a:r>
+              <a:rPr lang="en-US" altLang="ko-KR" b="1" dirty="0"/>
+              <a:t>&lt; </a:t>
+            </a:r>
+            <a:r>
+              <a:rPr lang="ko-KR" altLang="en-US" b="1" dirty="0"/>
+              <a:t>학습 내용 </a:t>
+            </a:r>
+            <a:r>
+              <a:rPr lang="en-US" altLang="ko-KR" b="1" dirty="0"/>
+              <a:t>&gt;</a:t>
+            </a:r>
+            <a:endParaRPr lang="ko-KR" altLang="en-US" b="1" dirty="0"/>
+          </a:p>
+        </p:txBody>
+      </p:sp>
+      <p:sp>
+        <p:nvSpPr>
+          <p:cNvPr id="3" name="세로 텍스트 개체 틀 2">
+            <a:extLst>
+              <a:ext uri="{FF2B5EF4-FFF2-40B4-BE49-F238E27FC236}">
+                <a16:creationId xmlns:a16="http://schemas.microsoft.com/office/drawing/2014/main" id="{29490A46-00F2-4D62-ABCC-029E4074B162}"/>
+              </a:ext>
+            </a:extLst>
+          </p:cNvPr>
+          <p:cNvSpPr>
+            <a:spLocks noGrp="1"/>
+          </p:cNvSpPr>
+          <p:nvPr>
+            <p:ph type="body" orient="vert" idx="1"/>
+          </p:nvPr>
+        </p:nvSpPr>
+        <p:spPr/>
+        <p:txBody>
+          <a:bodyPr vert="horz">
+            <a:normAutofit/>
+          </a:bodyPr>
+          <a:lstStyle/>
+          <a:p>
+            <a:r>
+              <a:rPr lang="ko-KR" altLang="en-US" sz="4000" dirty="0"/>
+              <a:t> 클래스</a:t>
+            </a:r>
+            <a:endParaRPr lang="en-US" altLang="ko-KR" sz="4000" dirty="0"/>
+          </a:p>
+          <a:p>
+            <a:endParaRPr lang="en-US" altLang="ko-KR" sz="4000" dirty="0"/>
+          </a:p>
+          <a:p>
+            <a:r>
+              <a:rPr lang="ko-KR" altLang="en-US" sz="4000" dirty="0"/>
+              <a:t> 메서드</a:t>
+            </a:r>
+            <a:endParaRPr lang="en-US" altLang="ko-KR" sz="4000" dirty="0"/>
+          </a:p>
+          <a:p>
+            <a:endParaRPr lang="en-US" altLang="ko-KR" sz="4000" dirty="0"/>
+          </a:p>
+          <a:p>
+            <a:r>
+              <a:rPr lang="ko-KR" altLang="en-US" sz="4000" dirty="0"/>
+              <a:t> 유틸리티 클래스</a:t>
+            </a:r>
+          </a:p>
+        </p:txBody>
+      </p:sp>
+    </p:spTree>
+    <p:extLst>
+      <p:ext uri="{BB962C8B-B14F-4D97-AF65-F5344CB8AC3E}">
+        <p14:creationId xmlns:p14="http://schemas.microsoft.com/office/powerpoint/2010/main" val="618819181"/>
+      </p:ext>
+    </p:extLst>
+  </p:cSld>
+  <p:clrMapOvr>
+    <a:masterClrMapping/>
+  </p:clrMapOvr>
+</p:sld>
+</file>
+
+<file path=ppt/slides/slide20.xml><?xml version="1.0" encoding="utf-8"?>
 <p:sld xmlns:a="http://schemas.openxmlformats.org/drawingml/2006/main" xmlns:r="http://schemas.openxmlformats.org/officeDocument/2006/relationships" xmlns:p="http://schemas.openxmlformats.org/presentationml/2006/main">
   <p:cSld>
     <p:spTree>
@@ -4339,7 +4767,102 @@
 </p:sld>
 </file>
 
-<file path=ppt/slides/slide18.xml><?xml version="1.0" encoding="utf-8"?>
+<file path=ppt/slides/slide21.xml><?xml version="1.0" encoding="utf-8"?>
+<p:sld xmlns:a="http://schemas.openxmlformats.org/drawingml/2006/main" xmlns:r="http://schemas.openxmlformats.org/officeDocument/2006/relationships" xmlns:p="http://schemas.openxmlformats.org/presentationml/2006/main">
+  <p:cSld>
+    <p:spTree>
+      <p:nvGrpSpPr>
+        <p:cNvPr id="1" name=""/>
+        <p:cNvGrpSpPr/>
+        <p:nvPr/>
+      </p:nvGrpSpPr>
+      <p:grpSpPr>
+        <a:xfrm>
+          <a:off x="0" y="0"/>
+          <a:ext cx="0" cy="0"/>
+          <a:chOff x="0" y="0"/>
+          <a:chExt cx="0" cy="0"/>
+        </a:xfrm>
+      </p:grpSpPr>
+      <p:sp>
+        <p:nvSpPr>
+          <p:cNvPr id="2" name="TextBox 1">
+            <a:extLst>
+              <a:ext uri="{FF2B5EF4-FFF2-40B4-BE49-F238E27FC236}">
+                <a16:creationId xmlns:a16="http://schemas.microsoft.com/office/drawing/2014/main" id="{6D5E47BA-144B-6E25-E282-8F211ABD5221}"/>
+              </a:ext>
+            </a:extLst>
+          </p:cNvPr>
+          <p:cNvSpPr txBox="1"/>
+          <p:nvPr/>
+        </p:nvSpPr>
+        <p:spPr>
+          <a:xfrm>
+            <a:off x="1139371" y="2610838"/>
+            <a:ext cx="9913258" cy="830997"/>
+          </a:xfrm>
+          <a:prstGeom prst="rect">
+            <a:avLst/>
+          </a:prstGeom>
+          <a:noFill/>
+        </p:spPr>
+        <p:txBody>
+          <a:bodyPr wrap="square" rtlCol="0">
+            <a:spAutoFit/>
+          </a:bodyPr>
+          <a:lstStyle/>
+          <a:p>
+            <a:pPr algn="ctr"/>
+            <a:r>
+              <a:rPr lang="en-US" altLang="ko-KR" sz="4800" b="1" dirty="0">
+                <a:solidFill>
+                  <a:schemeClr val="accent1"/>
+                </a:solidFill>
+                <a:latin typeface="+mn-ea"/>
+              </a:rPr>
+              <a:t>&lt; </a:t>
+            </a:r>
+            <a:r>
+              <a:rPr lang="ko-KR" altLang="en-US" sz="4800" b="1" dirty="0">
+                <a:solidFill>
+                  <a:schemeClr val="accent1"/>
+                </a:solidFill>
+                <a:latin typeface="+mn-ea"/>
+              </a:rPr>
+              <a:t>유틸리티 클래스 </a:t>
+            </a:r>
+            <a:r>
+              <a:rPr lang="en-US" altLang="ko-KR" sz="4800" b="1" dirty="0">
+                <a:solidFill>
+                  <a:schemeClr val="accent1"/>
+                </a:solidFill>
+                <a:latin typeface="+mn-ea"/>
+              </a:rPr>
+              <a:t>&gt;</a:t>
+            </a:r>
+            <a:endParaRPr lang="ko-KR" altLang="en-US" sz="4800" b="1" dirty="0">
+              <a:solidFill>
+                <a:schemeClr val="accent1"/>
+              </a:solidFill>
+              <a:latin typeface="+mn-ea"/>
+            </a:endParaRPr>
+          </a:p>
+        </p:txBody>
+      </p:sp>
+    </p:spTree>
+    <p:extLst>
+      <p:ext uri="{BB962C8B-B14F-4D97-AF65-F5344CB8AC3E}">
+        <p14:creationId xmlns:p14="http://schemas.microsoft.com/office/powerpoint/2010/main" val="1016793874"/>
+      </p:ext>
+    </p:extLst>
+  </p:cSld>
+  <p:clrMapOvr>
+    <a:masterClrMapping/>
+  </p:clrMapOvr>
+</p:sld>
+</file>
+
+<file path=ppt/slides/slide22.xml><?xml version="1.0" encoding="utf-8"?>
 <p:sld xmlns:a="http://schemas.openxmlformats.org/drawingml/2006/main" xmlns:r="http://schemas.openxmlformats.org/officeDocument/2006/relationships" xmlns:p="http://schemas.openxmlformats.org/presentationml/2006/main">
   <p:cSld>
     <p:spTree>
@@ -4429,7 +4952,7 @@
 </p:sld>
 </file>
 
-<file path=ppt/slides/slide19.xml><?xml version="1.0" encoding="utf-8"?>
+<file path=ppt/slides/slide23.xml><?xml version="1.0" encoding="utf-8"?>
 <p:sld xmlns:a="http://schemas.openxmlformats.org/drawingml/2006/main" xmlns:r="http://schemas.openxmlformats.org/officeDocument/2006/relationships" xmlns:p="http://schemas.openxmlformats.org/presentationml/2006/main">
   <p:cSld>
     <p:spTree>
@@ -4519,7 +5042,347 @@
 </p:sld>
 </file>
 
-<file path=ppt/slides/slide2.xml><?xml version="1.0" encoding="utf-8"?>
+<file path=ppt/slides/slide24.xml><?xml version="1.0" encoding="utf-8"?>
+<p:sld xmlns:a="http://schemas.openxmlformats.org/drawingml/2006/main" xmlns:r="http://schemas.openxmlformats.org/officeDocument/2006/relationships" xmlns:p="http://schemas.openxmlformats.org/presentationml/2006/main">
+  <p:cSld>
+    <p:spTree>
+      <p:nvGrpSpPr>
+        <p:cNvPr id="1" name=""/>
+        <p:cNvGrpSpPr/>
+        <p:nvPr/>
+      </p:nvGrpSpPr>
+      <p:grpSpPr>
+        <a:xfrm>
+          <a:off x="0" y="0"/>
+          <a:ext cx="0" cy="0"/>
+          <a:chOff x="0" y="0"/>
+          <a:chExt cx="0" cy="0"/>
+        </a:xfrm>
+      </p:grpSpPr>
+      <p:pic>
+        <p:nvPicPr>
+          <p:cNvPr id="3" name="그림 2">
+            <a:extLst>
+              <a:ext uri="{FF2B5EF4-FFF2-40B4-BE49-F238E27FC236}">
+                <a16:creationId xmlns:a16="http://schemas.microsoft.com/office/drawing/2014/main" id="{4FE927A2-1F56-A037-9709-A98E47BB9A9A}"/>
+              </a:ext>
+            </a:extLst>
+          </p:cNvPr>
+          <p:cNvPicPr>
+            <a:picLocks noChangeAspect="1"/>
+          </p:cNvPicPr>
+          <p:nvPr/>
+        </p:nvPicPr>
+        <p:blipFill>
+          <a:blip r:embed="rId2"/>
+          <a:stretch>
+            <a:fillRect/>
+          </a:stretch>
+        </p:blipFill>
+        <p:spPr>
+          <a:xfrm>
+            <a:off x="388137" y="336590"/>
+            <a:ext cx="9066106" cy="4836413"/>
+          </a:xfrm>
+          <a:prstGeom prst="rect">
+            <a:avLst/>
+          </a:prstGeom>
+        </p:spPr>
+      </p:pic>
+      <p:pic>
+        <p:nvPicPr>
+          <p:cNvPr id="5" name="그림 4">
+            <a:extLst>
+              <a:ext uri="{FF2B5EF4-FFF2-40B4-BE49-F238E27FC236}">
+                <a16:creationId xmlns:a16="http://schemas.microsoft.com/office/drawing/2014/main" id="{F1CCC0D3-A0BC-276E-B024-996544BDA64C}"/>
+              </a:ext>
+            </a:extLst>
+          </p:cNvPr>
+          <p:cNvPicPr>
+            <a:picLocks noChangeAspect="1"/>
+          </p:cNvPicPr>
+          <p:nvPr/>
+        </p:nvPicPr>
+        <p:blipFill>
+          <a:blip r:embed="rId3"/>
+          <a:stretch>
+            <a:fillRect/>
+          </a:stretch>
+        </p:blipFill>
+        <p:spPr>
+          <a:xfrm>
+            <a:off x="388137" y="5173003"/>
+            <a:ext cx="5849377" cy="1387204"/>
+          </a:xfrm>
+          <a:prstGeom prst="rect">
+            <a:avLst/>
+          </a:prstGeom>
+        </p:spPr>
+      </p:pic>
+    </p:spTree>
+    <p:extLst>
+      <p:ext uri="{BB962C8B-B14F-4D97-AF65-F5344CB8AC3E}">
+        <p14:creationId xmlns:p14="http://schemas.microsoft.com/office/powerpoint/2010/main" val="433877586"/>
+      </p:ext>
+    </p:extLst>
+  </p:cSld>
+  <p:clrMapOvr>
+    <a:masterClrMapping/>
+  </p:clrMapOvr>
+</p:sld>
+</file>
+
+<file path=ppt/slides/slide25.xml><?xml version="1.0" encoding="utf-8"?>
+<p:sld xmlns:a="http://schemas.openxmlformats.org/drawingml/2006/main" xmlns:r="http://schemas.openxmlformats.org/officeDocument/2006/relationships" xmlns:p="http://schemas.openxmlformats.org/presentationml/2006/main">
+  <p:cSld>
+    <p:spTree>
+      <p:nvGrpSpPr>
+        <p:cNvPr id="1" name=""/>
+        <p:cNvGrpSpPr/>
+        <p:nvPr/>
+      </p:nvGrpSpPr>
+      <p:grpSpPr>
+        <a:xfrm>
+          <a:off x="0" y="0"/>
+          <a:ext cx="0" cy="0"/>
+          <a:chOff x="0" y="0"/>
+          <a:chExt cx="0" cy="0"/>
+        </a:xfrm>
+      </p:grpSpPr>
+      <p:sp>
+        <p:nvSpPr>
+          <p:cNvPr id="2" name="TextBox 1">
+            <a:extLst>
+              <a:ext uri="{FF2B5EF4-FFF2-40B4-BE49-F238E27FC236}">
+                <a16:creationId xmlns:a16="http://schemas.microsoft.com/office/drawing/2014/main" id="{6D5E47BA-144B-6E25-E282-8F211ABD5221}"/>
+              </a:ext>
+            </a:extLst>
+          </p:cNvPr>
+          <p:cNvSpPr txBox="1"/>
+          <p:nvPr/>
+        </p:nvSpPr>
+        <p:spPr>
+          <a:xfrm>
+            <a:off x="1139371" y="2610838"/>
+            <a:ext cx="9913258" cy="830997"/>
+          </a:xfrm>
+          <a:prstGeom prst="rect">
+            <a:avLst/>
+          </a:prstGeom>
+          <a:noFill/>
+        </p:spPr>
+        <p:txBody>
+          <a:bodyPr wrap="square" rtlCol="0">
+            <a:spAutoFit/>
+          </a:bodyPr>
+          <a:lstStyle/>
+          <a:p>
+            <a:pPr algn="ctr"/>
+            <a:r>
+              <a:rPr lang="en-US" altLang="ko-KR" sz="4800" b="1" dirty="0">
+                <a:solidFill>
+                  <a:schemeClr val="accent1"/>
+                </a:solidFill>
+                <a:latin typeface="+mn-ea"/>
+              </a:rPr>
+              <a:t>&lt; </a:t>
+            </a:r>
+            <a:r>
+              <a:rPr lang="ko-KR" altLang="en-US" sz="4800" b="1" dirty="0">
+                <a:solidFill>
+                  <a:schemeClr val="accent1"/>
+                </a:solidFill>
+                <a:latin typeface="+mn-ea"/>
+              </a:rPr>
+              <a:t>정리하기 </a:t>
+            </a:r>
+            <a:r>
+              <a:rPr lang="en-US" altLang="ko-KR" sz="4800" b="1" dirty="0">
+                <a:solidFill>
+                  <a:schemeClr val="accent1"/>
+                </a:solidFill>
+                <a:latin typeface="+mn-ea"/>
+              </a:rPr>
+              <a:t>&gt;</a:t>
+            </a:r>
+            <a:endParaRPr lang="ko-KR" altLang="en-US" sz="4800" b="1" dirty="0">
+              <a:solidFill>
+                <a:schemeClr val="accent1"/>
+              </a:solidFill>
+              <a:latin typeface="+mn-ea"/>
+            </a:endParaRPr>
+          </a:p>
+        </p:txBody>
+      </p:sp>
+    </p:spTree>
+    <p:extLst>
+      <p:ext uri="{BB962C8B-B14F-4D97-AF65-F5344CB8AC3E}">
+        <p14:creationId xmlns:p14="http://schemas.microsoft.com/office/powerpoint/2010/main" val="3896227482"/>
+      </p:ext>
+    </p:extLst>
+  </p:cSld>
+  <p:clrMapOvr>
+    <a:masterClrMapping/>
+  </p:clrMapOvr>
+</p:sld>
+</file>
+
+<file path=ppt/slides/slide26.xml><?xml version="1.0" encoding="utf-8"?>
+<p:sld xmlns:a="http://schemas.openxmlformats.org/drawingml/2006/main" xmlns:r="http://schemas.openxmlformats.org/officeDocument/2006/relationships" xmlns:p="http://schemas.openxmlformats.org/presentationml/2006/main">
+  <p:cSld>
+    <p:spTree>
+      <p:nvGrpSpPr>
+        <p:cNvPr id="1" name=""/>
+        <p:cNvGrpSpPr/>
+        <p:nvPr/>
+      </p:nvGrpSpPr>
+      <p:grpSpPr>
+        <a:xfrm>
+          <a:off x="0" y="0"/>
+          <a:ext cx="0" cy="0"/>
+          <a:chOff x="0" y="0"/>
+          <a:chExt cx="0" cy="0"/>
+        </a:xfrm>
+      </p:grpSpPr>
+      <p:pic>
+        <p:nvPicPr>
+          <p:cNvPr id="3" name="그림 2">
+            <a:extLst>
+              <a:ext uri="{FF2B5EF4-FFF2-40B4-BE49-F238E27FC236}">
+                <a16:creationId xmlns:a16="http://schemas.microsoft.com/office/drawing/2014/main" id="{9302BDAA-581A-39C8-8B00-5DD1B873ECB0}"/>
+              </a:ext>
+            </a:extLst>
+          </p:cNvPr>
+          <p:cNvPicPr>
+            <a:picLocks noChangeAspect="1"/>
+          </p:cNvPicPr>
+          <p:nvPr/>
+        </p:nvPicPr>
+        <p:blipFill>
+          <a:blip r:embed="rId2"/>
+          <a:stretch>
+            <a:fillRect/>
+          </a:stretch>
+        </p:blipFill>
+        <p:spPr>
+          <a:xfrm>
+            <a:off x="378790" y="347232"/>
+            <a:ext cx="6525536" cy="6163535"/>
+          </a:xfrm>
+          <a:prstGeom prst="rect">
+            <a:avLst/>
+          </a:prstGeom>
+        </p:spPr>
+      </p:pic>
+    </p:spTree>
+    <p:extLst>
+      <p:ext uri="{BB962C8B-B14F-4D97-AF65-F5344CB8AC3E}">
+        <p14:creationId xmlns:p14="http://schemas.microsoft.com/office/powerpoint/2010/main" val="308317807"/>
+      </p:ext>
+    </p:extLst>
+  </p:cSld>
+  <p:clrMapOvr>
+    <a:masterClrMapping/>
+  </p:clrMapOvr>
+</p:sld>
+</file>
+
+<file path=ppt/slides/slide3.xml><?xml version="1.0" encoding="utf-8"?>
+<p:sld xmlns:a="http://schemas.openxmlformats.org/drawingml/2006/main" xmlns:r="http://schemas.openxmlformats.org/officeDocument/2006/relationships" xmlns:p="http://schemas.openxmlformats.org/presentationml/2006/main">
+  <p:cSld>
+    <p:spTree>
+      <p:nvGrpSpPr>
+        <p:cNvPr id="1" name=""/>
+        <p:cNvGrpSpPr/>
+        <p:nvPr/>
+      </p:nvGrpSpPr>
+      <p:grpSpPr>
+        <a:xfrm>
+          <a:off x="0" y="0"/>
+          <a:ext cx="0" cy="0"/>
+          <a:chOff x="0" y="0"/>
+          <a:chExt cx="0" cy="0"/>
+        </a:xfrm>
+      </p:grpSpPr>
+      <p:sp>
+        <p:nvSpPr>
+          <p:cNvPr id="2" name="TextBox 1">
+            <a:extLst>
+              <a:ext uri="{FF2B5EF4-FFF2-40B4-BE49-F238E27FC236}">
+                <a16:creationId xmlns:a16="http://schemas.microsoft.com/office/drawing/2014/main" id="{6D5E47BA-144B-6E25-E282-8F211ABD5221}"/>
+              </a:ext>
+            </a:extLst>
+          </p:cNvPr>
+          <p:cNvSpPr txBox="1"/>
+          <p:nvPr/>
+        </p:nvSpPr>
+        <p:spPr>
+          <a:xfrm>
+            <a:off x="1139371" y="2610838"/>
+            <a:ext cx="9913258" cy="830997"/>
+          </a:xfrm>
+          <a:prstGeom prst="rect">
+            <a:avLst/>
+          </a:prstGeom>
+          <a:noFill/>
+        </p:spPr>
+        <p:txBody>
+          <a:bodyPr wrap="square" rtlCol="0">
+            <a:spAutoFit/>
+          </a:bodyPr>
+          <a:lstStyle/>
+          <a:p>
+            <a:pPr algn="ctr"/>
+            <a:r>
+              <a:rPr lang="en-US" altLang="ko-KR" sz="4800" b="1" dirty="0">
+                <a:solidFill>
+                  <a:schemeClr val="accent1"/>
+                </a:solidFill>
+                <a:latin typeface="+mn-ea"/>
+              </a:rPr>
+              <a:t>&lt; </a:t>
+            </a:r>
+            <a:r>
+              <a:rPr lang="ko-KR" altLang="en-US" sz="4800" b="1" dirty="0">
+                <a:solidFill>
+                  <a:schemeClr val="accent1"/>
+                </a:solidFill>
+                <a:latin typeface="+mn-ea"/>
+              </a:rPr>
+              <a:t>클래스 </a:t>
+            </a:r>
+            <a:r>
+              <a:rPr lang="en-US" altLang="ko-KR" sz="4800" b="1" dirty="0">
+                <a:solidFill>
+                  <a:schemeClr val="accent1"/>
+                </a:solidFill>
+                <a:latin typeface="+mn-ea"/>
+              </a:rPr>
+              <a:t>&gt;</a:t>
+            </a:r>
+            <a:endParaRPr lang="ko-KR" altLang="en-US" sz="4800" b="1" dirty="0">
+              <a:solidFill>
+                <a:schemeClr val="accent1"/>
+              </a:solidFill>
+              <a:latin typeface="+mn-ea"/>
+            </a:endParaRPr>
+          </a:p>
+        </p:txBody>
+      </p:sp>
+    </p:spTree>
+    <p:extLst>
+      <p:ext uri="{BB962C8B-B14F-4D97-AF65-F5344CB8AC3E}">
+        <p14:creationId xmlns:p14="http://schemas.microsoft.com/office/powerpoint/2010/main" val="2450836371"/>
+      </p:ext>
+    </p:extLst>
+  </p:cSld>
+  <p:clrMapOvr>
+    <a:masterClrMapping/>
+  </p:clrMapOvr>
+</p:sld>
+</file>
+
+<file path=ppt/slides/slide4.xml><?xml version="1.0" encoding="utf-8"?>
 <p:sld xmlns:a="http://schemas.openxmlformats.org/drawingml/2006/main" xmlns:r="http://schemas.openxmlformats.org/officeDocument/2006/relationships" xmlns:p="http://schemas.openxmlformats.org/presentationml/2006/main">
   <p:cSld>
     <p:spTree>
@@ -4579,97 +5442,7 @@
 </p:sld>
 </file>
 
-<file path=ppt/slides/slide20.xml><?xml version="1.0" encoding="utf-8"?>
-<p:sld xmlns:a="http://schemas.openxmlformats.org/drawingml/2006/main" xmlns:r="http://schemas.openxmlformats.org/officeDocument/2006/relationships" xmlns:p="http://schemas.openxmlformats.org/presentationml/2006/main">
-  <p:cSld>
-    <p:spTree>
-      <p:nvGrpSpPr>
-        <p:cNvPr id="1" name=""/>
-        <p:cNvGrpSpPr/>
-        <p:nvPr/>
-      </p:nvGrpSpPr>
-      <p:grpSpPr>
-        <a:xfrm>
-          <a:off x="0" y="0"/>
-          <a:ext cx="0" cy="0"/>
-          <a:chOff x="0" y="0"/>
-          <a:chExt cx="0" cy="0"/>
-        </a:xfrm>
-      </p:grpSpPr>
-      <p:pic>
-        <p:nvPicPr>
-          <p:cNvPr id="3" name="그림 2">
-            <a:extLst>
-              <a:ext uri="{FF2B5EF4-FFF2-40B4-BE49-F238E27FC236}">
-                <a16:creationId xmlns:a16="http://schemas.microsoft.com/office/drawing/2014/main" id="{4FE927A2-1F56-A037-9709-A98E47BB9A9A}"/>
-              </a:ext>
-            </a:extLst>
-          </p:cNvPr>
-          <p:cNvPicPr>
-            <a:picLocks noChangeAspect="1"/>
-          </p:cNvPicPr>
-          <p:nvPr/>
-        </p:nvPicPr>
-        <p:blipFill>
-          <a:blip r:embed="rId2"/>
-          <a:stretch>
-            <a:fillRect/>
-          </a:stretch>
-        </p:blipFill>
-        <p:spPr>
-          <a:xfrm>
-            <a:off x="388137" y="336590"/>
-            <a:ext cx="9066106" cy="4836413"/>
-          </a:xfrm>
-          <a:prstGeom prst="rect">
-            <a:avLst/>
-          </a:prstGeom>
-        </p:spPr>
-      </p:pic>
-      <p:pic>
-        <p:nvPicPr>
-          <p:cNvPr id="5" name="그림 4">
-            <a:extLst>
-              <a:ext uri="{FF2B5EF4-FFF2-40B4-BE49-F238E27FC236}">
-                <a16:creationId xmlns:a16="http://schemas.microsoft.com/office/drawing/2014/main" id="{F1CCC0D3-A0BC-276E-B024-996544BDA64C}"/>
-              </a:ext>
-            </a:extLst>
-          </p:cNvPr>
-          <p:cNvPicPr>
-            <a:picLocks noChangeAspect="1"/>
-          </p:cNvPicPr>
-          <p:nvPr/>
-        </p:nvPicPr>
-        <p:blipFill>
-          <a:blip r:embed="rId3"/>
-          <a:stretch>
-            <a:fillRect/>
-          </a:stretch>
-        </p:blipFill>
-        <p:spPr>
-          <a:xfrm>
-            <a:off x="388137" y="5173003"/>
-            <a:ext cx="5849377" cy="1387204"/>
-          </a:xfrm>
-          <a:prstGeom prst="rect">
-            <a:avLst/>
-          </a:prstGeom>
-        </p:spPr>
-      </p:pic>
-    </p:spTree>
-    <p:extLst>
-      <p:ext uri="{BB962C8B-B14F-4D97-AF65-F5344CB8AC3E}">
-        <p14:creationId xmlns:p14="http://schemas.microsoft.com/office/powerpoint/2010/main" val="433877586"/>
-      </p:ext>
-    </p:extLst>
-  </p:cSld>
-  <p:clrMapOvr>
-    <a:masterClrMapping/>
-  </p:clrMapOvr>
-</p:sld>
-</file>
-
-<file path=ppt/slides/slide3.xml><?xml version="1.0" encoding="utf-8"?>
+<file path=ppt/slides/slide5.xml><?xml version="1.0" encoding="utf-8"?>
 <p:sld xmlns:a="http://schemas.openxmlformats.org/drawingml/2006/main" xmlns:r="http://schemas.openxmlformats.org/officeDocument/2006/relationships" xmlns:p="http://schemas.openxmlformats.org/presentationml/2006/main">
   <p:cSld>
     <p:spTree>
@@ -4729,7 +5502,7 @@
 </p:sld>
 </file>
 
-<file path=ppt/slides/slide4.xml><?xml version="1.0" encoding="utf-8"?>
+<file path=ppt/slides/slide6.xml><?xml version="1.0" encoding="utf-8"?>
 <p:sld xmlns:a="http://schemas.openxmlformats.org/drawingml/2006/main" xmlns:r="http://schemas.openxmlformats.org/officeDocument/2006/relationships" xmlns:p="http://schemas.openxmlformats.org/presentationml/2006/main">
   <p:cSld>
     <p:spTree>
@@ -4819,7 +5592,7 @@
 </p:sld>
 </file>
 
-<file path=ppt/slides/slide5.xml><?xml version="1.0" encoding="utf-8"?>
+<file path=ppt/slides/slide7.xml><?xml version="1.0" encoding="utf-8"?>
 <p:sld xmlns:a="http://schemas.openxmlformats.org/drawingml/2006/main" xmlns:r="http://schemas.openxmlformats.org/officeDocument/2006/relationships" xmlns:p="http://schemas.openxmlformats.org/presentationml/2006/main">
   <p:cSld>
     <p:spTree>
@@ -4879,7 +5652,7 @@
 </p:sld>
 </file>
 
-<file path=ppt/slides/slide6.xml><?xml version="1.0" encoding="utf-8"?>
+<file path=ppt/slides/slide8.xml><?xml version="1.0" encoding="utf-8"?>
 <p:sld xmlns:a="http://schemas.openxmlformats.org/drawingml/2006/main" xmlns:r="http://schemas.openxmlformats.org/officeDocument/2006/relationships" xmlns:p="http://schemas.openxmlformats.org/presentationml/2006/main">
   <p:cSld>
     <p:spTree>
@@ -4969,7 +5742,7 @@
 </p:sld>
 </file>
 
-<file path=ppt/slides/slide7.xml><?xml version="1.0" encoding="utf-8"?>
+<file path=ppt/slides/slide9.xml><?xml version="1.0" encoding="utf-8"?>
 <p:sld xmlns:a="http://schemas.openxmlformats.org/drawingml/2006/main" xmlns:r="http://schemas.openxmlformats.org/officeDocument/2006/relationships" xmlns:p="http://schemas.openxmlformats.org/presentationml/2006/main">
   <p:cSld>
     <p:spTree>
@@ -5020,216 +5793,6 @@
     <p:extLst>
       <p:ext uri="{BB962C8B-B14F-4D97-AF65-F5344CB8AC3E}">
         <p14:creationId xmlns:p14="http://schemas.microsoft.com/office/powerpoint/2010/main" val="4098637259"/>
-      </p:ext>
-    </p:extLst>
-  </p:cSld>
-  <p:clrMapOvr>
-    <a:masterClrMapping/>
-  </p:clrMapOvr>
-</p:sld>
-</file>
-
-<file path=ppt/slides/slide8.xml><?xml version="1.0" encoding="utf-8"?>
-<p:sld xmlns:a="http://schemas.openxmlformats.org/drawingml/2006/main" xmlns:r="http://schemas.openxmlformats.org/officeDocument/2006/relationships" xmlns:p="http://schemas.openxmlformats.org/presentationml/2006/main">
-  <p:cSld>
-    <p:spTree>
-      <p:nvGrpSpPr>
-        <p:cNvPr id="1" name=""/>
-        <p:cNvGrpSpPr/>
-        <p:nvPr/>
-      </p:nvGrpSpPr>
-      <p:grpSpPr>
-        <a:xfrm>
-          <a:off x="0" y="0"/>
-          <a:ext cx="0" cy="0"/>
-          <a:chOff x="0" y="0"/>
-          <a:chExt cx="0" cy="0"/>
-        </a:xfrm>
-      </p:grpSpPr>
-      <p:pic>
-        <p:nvPicPr>
-          <p:cNvPr id="5" name="그림 4">
-            <a:extLst>
-              <a:ext uri="{FF2B5EF4-FFF2-40B4-BE49-F238E27FC236}">
-                <a16:creationId xmlns:a16="http://schemas.microsoft.com/office/drawing/2014/main" id="{0BCF94C1-2BF1-96CE-3FFB-C62E10A6C2B4}"/>
-              </a:ext>
-            </a:extLst>
-          </p:cNvPr>
-          <p:cNvPicPr>
-            <a:picLocks noChangeAspect="1"/>
-          </p:cNvPicPr>
-          <p:nvPr/>
-        </p:nvPicPr>
-        <p:blipFill>
-          <a:blip r:embed="rId2"/>
-          <a:stretch>
-            <a:fillRect/>
-          </a:stretch>
-        </p:blipFill>
-        <p:spPr>
-          <a:xfrm>
-            <a:off x="396818" y="410715"/>
-            <a:ext cx="11363623" cy="4912399"/>
-          </a:xfrm>
-          <a:prstGeom prst="rect">
-            <a:avLst/>
-          </a:prstGeom>
-        </p:spPr>
-      </p:pic>
-    </p:spTree>
-    <p:extLst>
-      <p:ext uri="{BB962C8B-B14F-4D97-AF65-F5344CB8AC3E}">
-        <p14:creationId xmlns:p14="http://schemas.microsoft.com/office/powerpoint/2010/main" val="330334828"/>
-      </p:ext>
-    </p:extLst>
-  </p:cSld>
-  <p:clrMapOvr>
-    <a:masterClrMapping/>
-  </p:clrMapOvr>
-</p:sld>
-</file>
-
-<file path=ppt/slides/slide9.xml><?xml version="1.0" encoding="utf-8"?>
-<p:sld xmlns:a="http://schemas.openxmlformats.org/drawingml/2006/main" xmlns:r="http://schemas.openxmlformats.org/officeDocument/2006/relationships" xmlns:p="http://schemas.openxmlformats.org/presentationml/2006/main">
-  <p:cSld>
-    <p:spTree>
-      <p:nvGrpSpPr>
-        <p:cNvPr id="1" name=""/>
-        <p:cNvGrpSpPr/>
-        <p:nvPr/>
-      </p:nvGrpSpPr>
-      <p:grpSpPr>
-        <a:xfrm>
-          <a:off x="0" y="0"/>
-          <a:ext cx="0" cy="0"/>
-          <a:chOff x="0" y="0"/>
-          <a:chExt cx="0" cy="0"/>
-        </a:xfrm>
-      </p:grpSpPr>
-      <p:pic>
-        <p:nvPicPr>
-          <p:cNvPr id="3" name="그림 2">
-            <a:extLst>
-              <a:ext uri="{FF2B5EF4-FFF2-40B4-BE49-F238E27FC236}">
-                <a16:creationId xmlns:a16="http://schemas.microsoft.com/office/drawing/2014/main" id="{BC88C282-C6FA-8A53-E67D-276A7723DE7F}"/>
-              </a:ext>
-            </a:extLst>
-          </p:cNvPr>
-          <p:cNvPicPr>
-            <a:picLocks noChangeAspect="1"/>
-          </p:cNvPicPr>
-          <p:nvPr/>
-        </p:nvPicPr>
-        <p:blipFill>
-          <a:blip r:embed="rId2"/>
-          <a:stretch>
-            <a:fillRect/>
-          </a:stretch>
-        </p:blipFill>
-        <p:spPr>
-          <a:xfrm>
-            <a:off x="368622" y="398400"/>
-            <a:ext cx="2783118" cy="6100371"/>
-          </a:xfrm>
-          <a:prstGeom prst="rect">
-            <a:avLst/>
-          </a:prstGeom>
-        </p:spPr>
-      </p:pic>
-      <p:pic>
-        <p:nvPicPr>
-          <p:cNvPr id="5" name="그림 4">
-            <a:extLst>
-              <a:ext uri="{FF2B5EF4-FFF2-40B4-BE49-F238E27FC236}">
-                <a16:creationId xmlns:a16="http://schemas.microsoft.com/office/drawing/2014/main" id="{61C93AED-CC5D-F21A-0F47-FFBD9AF86B4C}"/>
-              </a:ext>
-            </a:extLst>
-          </p:cNvPr>
-          <p:cNvPicPr>
-            <a:picLocks noChangeAspect="1"/>
-          </p:cNvPicPr>
-          <p:nvPr/>
-        </p:nvPicPr>
-        <p:blipFill>
-          <a:blip r:embed="rId3"/>
-          <a:stretch>
-            <a:fillRect/>
-          </a:stretch>
-        </p:blipFill>
-        <p:spPr>
-          <a:xfrm>
-            <a:off x="3151740" y="398400"/>
-            <a:ext cx="2783118" cy="6117209"/>
-          </a:xfrm>
-          <a:prstGeom prst="rect">
-            <a:avLst/>
-          </a:prstGeom>
-        </p:spPr>
-      </p:pic>
-      <p:pic>
-        <p:nvPicPr>
-          <p:cNvPr id="7" name="그림 6">
-            <a:extLst>
-              <a:ext uri="{FF2B5EF4-FFF2-40B4-BE49-F238E27FC236}">
-                <a16:creationId xmlns:a16="http://schemas.microsoft.com/office/drawing/2014/main" id="{E3FA5B97-553B-0D0A-D74F-901EC8C265F6}"/>
-              </a:ext>
-            </a:extLst>
-          </p:cNvPr>
-          <p:cNvPicPr>
-            <a:picLocks noChangeAspect="1"/>
-          </p:cNvPicPr>
-          <p:nvPr/>
-        </p:nvPicPr>
-        <p:blipFill>
-          <a:blip r:embed="rId4"/>
-          <a:stretch>
-            <a:fillRect/>
-          </a:stretch>
-        </p:blipFill>
-        <p:spPr>
-          <a:xfrm>
-            <a:off x="5934858" y="398399"/>
-            <a:ext cx="2777998" cy="6117209"/>
-          </a:xfrm>
-          <a:prstGeom prst="rect">
-            <a:avLst/>
-          </a:prstGeom>
-        </p:spPr>
-      </p:pic>
-      <p:pic>
-        <p:nvPicPr>
-          <p:cNvPr id="9" name="그림 8">
-            <a:extLst>
-              <a:ext uri="{FF2B5EF4-FFF2-40B4-BE49-F238E27FC236}">
-                <a16:creationId xmlns:a16="http://schemas.microsoft.com/office/drawing/2014/main" id="{1E8ABE90-0E59-9DE8-BF7A-97246044C826}"/>
-              </a:ext>
-            </a:extLst>
-          </p:cNvPr>
-          <p:cNvPicPr>
-            <a:picLocks noChangeAspect="1"/>
-          </p:cNvPicPr>
-          <p:nvPr/>
-        </p:nvPicPr>
-        <p:blipFill>
-          <a:blip r:embed="rId5"/>
-          <a:stretch>
-            <a:fillRect/>
-          </a:stretch>
-        </p:blipFill>
-        <p:spPr>
-          <a:xfrm>
-            <a:off x="8712856" y="398398"/>
-            <a:ext cx="2777998" cy="2027939"/>
-          </a:xfrm>
-          <a:prstGeom prst="rect">
-            <a:avLst/>
-          </a:prstGeom>
-        </p:spPr>
-      </p:pic>
-    </p:spTree>
-    <p:extLst>
-      <p:ext uri="{BB962C8B-B14F-4D97-AF65-F5344CB8AC3E}">
-        <p14:creationId xmlns:p14="http://schemas.microsoft.com/office/powerpoint/2010/main" val="1031633631"/>
       </p:ext>
     </p:extLst>
   </p:cSld>

--- a/Python과제/Python_13강.pptx
+++ b/Python과제/Python_13강.pptx
@@ -3732,6 +3732,51 @@
           </a:prstGeom>
         </p:spPr>
       </p:pic>
+      <p:sp>
+        <p:nvSpPr>
+          <p:cNvPr id="2" name="TextBox 1">
+            <a:extLst>
+              <a:ext uri="{FF2B5EF4-FFF2-40B4-BE49-F238E27FC236}">
+                <a16:creationId xmlns:a16="http://schemas.microsoft.com/office/drawing/2014/main" id="{5EE57369-6D3F-71BC-0BAF-6D798451FA22}"/>
+              </a:ext>
+            </a:extLst>
+          </p:cNvPr>
+          <p:cNvSpPr txBox="1"/>
+          <p:nvPr/>
+        </p:nvSpPr>
+        <p:spPr>
+          <a:xfrm>
+            <a:off x="9425571" y="2909765"/>
+            <a:ext cx="2065283" cy="369332"/>
+          </a:xfrm>
+          <a:prstGeom prst="rect">
+            <a:avLst/>
+          </a:prstGeom>
+          <a:noFill/>
+        </p:spPr>
+        <p:txBody>
+          <a:bodyPr wrap="square" rtlCol="0">
+            <a:spAutoFit/>
+          </a:bodyPr>
+          <a:lstStyle/>
+          <a:p>
+            <a:pPr algn="ctr"/>
+            <a:r>
+              <a:rPr lang="en-US" altLang="ko-KR" b="1" dirty="0"/>
+              <a:t>&lt; print </a:t>
+            </a:r>
+            <a:r>
+              <a:rPr lang="ko-KR" altLang="en-US" b="1" dirty="0"/>
+              <a:t>결과 확인 </a:t>
+            </a:r>
+            <a:r>
+              <a:rPr lang="en-US" altLang="ko-KR" b="1" dirty="0"/>
+              <a:t>&gt;</a:t>
+            </a:r>
+            <a:endParaRPr lang="ko-KR" altLang="en-US" b="1" dirty="0"/>
+          </a:p>
+        </p:txBody>
+      </p:sp>
     </p:spTree>
     <p:extLst>
       <p:ext uri="{BB962C8B-B14F-4D97-AF65-F5344CB8AC3E}">
@@ -4002,6 +4047,51 @@
           </a:prstGeom>
         </p:spPr>
       </p:pic>
+      <p:sp>
+        <p:nvSpPr>
+          <p:cNvPr id="2" name="TextBox 1">
+            <a:extLst>
+              <a:ext uri="{FF2B5EF4-FFF2-40B4-BE49-F238E27FC236}">
+                <a16:creationId xmlns:a16="http://schemas.microsoft.com/office/drawing/2014/main" id="{C2D28FFD-4A44-C8D0-9C32-10CAF3174FBD}"/>
+              </a:ext>
+            </a:extLst>
+          </p:cNvPr>
+          <p:cNvSpPr txBox="1"/>
+          <p:nvPr/>
+        </p:nvSpPr>
+        <p:spPr>
+          <a:xfrm>
+            <a:off x="6442054" y="3716922"/>
+            <a:ext cx="2065283" cy="369332"/>
+          </a:xfrm>
+          <a:prstGeom prst="rect">
+            <a:avLst/>
+          </a:prstGeom>
+          <a:noFill/>
+        </p:spPr>
+        <p:txBody>
+          <a:bodyPr wrap="square" rtlCol="0">
+            <a:spAutoFit/>
+          </a:bodyPr>
+          <a:lstStyle/>
+          <a:p>
+            <a:pPr algn="ctr"/>
+            <a:r>
+              <a:rPr lang="en-US" altLang="ko-KR" b="1" dirty="0"/>
+              <a:t>&lt; print </a:t>
+            </a:r>
+            <a:r>
+              <a:rPr lang="ko-KR" altLang="en-US" b="1" dirty="0"/>
+              <a:t>결과 확인 </a:t>
+            </a:r>
+            <a:r>
+              <a:rPr lang="en-US" altLang="ko-KR" b="1" dirty="0"/>
+              <a:t>&gt;</a:t>
+            </a:r>
+            <a:endParaRPr lang="ko-KR" altLang="en-US" b="1" dirty="0"/>
+          </a:p>
+        </p:txBody>
+      </p:sp>
     </p:spTree>
     <p:extLst>
       <p:ext uri="{BB962C8B-B14F-4D97-AF65-F5344CB8AC3E}">
@@ -4092,6 +4182,51 @@
           </a:prstGeom>
         </p:spPr>
       </p:pic>
+      <p:sp>
+        <p:nvSpPr>
+          <p:cNvPr id="2" name="TextBox 1">
+            <a:extLst>
+              <a:ext uri="{FF2B5EF4-FFF2-40B4-BE49-F238E27FC236}">
+                <a16:creationId xmlns:a16="http://schemas.microsoft.com/office/drawing/2014/main" id="{FB243FFD-2B13-8C28-DDF2-CF263CDC29A6}"/>
+              </a:ext>
+            </a:extLst>
+          </p:cNvPr>
+          <p:cNvSpPr txBox="1"/>
+          <p:nvPr/>
+        </p:nvSpPr>
+        <p:spPr>
+          <a:xfrm>
+            <a:off x="9592227" y="5005761"/>
+            <a:ext cx="2065283" cy="369332"/>
+          </a:xfrm>
+          <a:prstGeom prst="rect">
+            <a:avLst/>
+          </a:prstGeom>
+          <a:noFill/>
+        </p:spPr>
+        <p:txBody>
+          <a:bodyPr wrap="square" rtlCol="0">
+            <a:spAutoFit/>
+          </a:bodyPr>
+          <a:lstStyle/>
+          <a:p>
+            <a:pPr algn="ctr"/>
+            <a:r>
+              <a:rPr lang="en-US" altLang="ko-KR" b="1" dirty="0"/>
+              <a:t>&lt; print </a:t>
+            </a:r>
+            <a:r>
+              <a:rPr lang="ko-KR" altLang="en-US" b="1" dirty="0"/>
+              <a:t>결과 확인 </a:t>
+            </a:r>
+            <a:r>
+              <a:rPr lang="en-US" altLang="ko-KR" b="1" dirty="0"/>
+              <a:t>&gt;</a:t>
+            </a:r>
+            <a:endParaRPr lang="ko-KR" altLang="en-US" b="1" dirty="0"/>
+          </a:p>
+        </p:txBody>
+      </p:sp>
     </p:spTree>
     <p:extLst>
       <p:ext uri="{BB962C8B-B14F-4D97-AF65-F5344CB8AC3E}">
@@ -4182,6 +4317,51 @@
           </a:prstGeom>
         </p:spPr>
       </p:pic>
+      <p:sp>
+        <p:nvSpPr>
+          <p:cNvPr id="2" name="TextBox 1">
+            <a:extLst>
+              <a:ext uri="{FF2B5EF4-FFF2-40B4-BE49-F238E27FC236}">
+                <a16:creationId xmlns:a16="http://schemas.microsoft.com/office/drawing/2014/main" id="{0FED5A1F-9321-6C43-FE57-AF76FDF48C44}"/>
+              </a:ext>
+            </a:extLst>
+          </p:cNvPr>
+          <p:cNvSpPr txBox="1"/>
+          <p:nvPr/>
+        </p:nvSpPr>
+        <p:spPr>
+          <a:xfrm>
+            <a:off x="9609041" y="5126023"/>
+            <a:ext cx="2065283" cy="369332"/>
+          </a:xfrm>
+          <a:prstGeom prst="rect">
+            <a:avLst/>
+          </a:prstGeom>
+          <a:noFill/>
+        </p:spPr>
+        <p:txBody>
+          <a:bodyPr wrap="square" rtlCol="0">
+            <a:spAutoFit/>
+          </a:bodyPr>
+          <a:lstStyle/>
+          <a:p>
+            <a:pPr algn="ctr"/>
+            <a:r>
+              <a:rPr lang="en-US" altLang="ko-KR" b="1" dirty="0"/>
+              <a:t>&lt; print </a:t>
+            </a:r>
+            <a:r>
+              <a:rPr lang="ko-KR" altLang="en-US" b="1" dirty="0"/>
+              <a:t>결과 확인 </a:t>
+            </a:r>
+            <a:r>
+              <a:rPr lang="en-US" altLang="ko-KR" b="1" dirty="0"/>
+              <a:t>&gt;</a:t>
+            </a:r>
+            <a:endParaRPr lang="ko-KR" altLang="en-US" b="1" dirty="0"/>
+          </a:p>
+        </p:txBody>
+      </p:sp>
     </p:spTree>
     <p:extLst>
       <p:ext uri="{BB962C8B-B14F-4D97-AF65-F5344CB8AC3E}">
@@ -4272,6 +4452,51 @@
           </a:prstGeom>
         </p:spPr>
       </p:pic>
+      <p:sp>
+        <p:nvSpPr>
+          <p:cNvPr id="2" name="TextBox 1">
+            <a:extLst>
+              <a:ext uri="{FF2B5EF4-FFF2-40B4-BE49-F238E27FC236}">
+                <a16:creationId xmlns:a16="http://schemas.microsoft.com/office/drawing/2014/main" id="{D959EE6F-27DF-A1EA-BB43-4AC1AAB88598}"/>
+              </a:ext>
+            </a:extLst>
+          </p:cNvPr>
+          <p:cNvSpPr txBox="1"/>
+          <p:nvPr/>
+        </p:nvSpPr>
+        <p:spPr>
+          <a:xfrm>
+            <a:off x="9629914" y="5190427"/>
+            <a:ext cx="2065283" cy="369332"/>
+          </a:xfrm>
+          <a:prstGeom prst="rect">
+            <a:avLst/>
+          </a:prstGeom>
+          <a:noFill/>
+        </p:spPr>
+        <p:txBody>
+          <a:bodyPr wrap="square" rtlCol="0">
+            <a:spAutoFit/>
+          </a:bodyPr>
+          <a:lstStyle/>
+          <a:p>
+            <a:pPr algn="ctr"/>
+            <a:r>
+              <a:rPr lang="en-US" altLang="ko-KR" b="1" dirty="0"/>
+              <a:t>&lt; print </a:t>
+            </a:r>
+            <a:r>
+              <a:rPr lang="ko-KR" altLang="en-US" b="1" dirty="0"/>
+              <a:t>결과 확인 </a:t>
+            </a:r>
+            <a:r>
+              <a:rPr lang="en-US" altLang="ko-KR" b="1" dirty="0"/>
+              <a:t>&gt;</a:t>
+            </a:r>
+            <a:endParaRPr lang="ko-KR" altLang="en-US" b="1" dirty="0"/>
+          </a:p>
+        </p:txBody>
+      </p:sp>
     </p:spTree>
     <p:extLst>
       <p:ext uri="{BB962C8B-B14F-4D97-AF65-F5344CB8AC3E}">
@@ -4457,6 +4682,51 @@
           </a:prstGeom>
         </p:spPr>
       </p:pic>
+      <p:sp>
+        <p:nvSpPr>
+          <p:cNvPr id="2" name="TextBox 1">
+            <a:extLst>
+              <a:ext uri="{FF2B5EF4-FFF2-40B4-BE49-F238E27FC236}">
+                <a16:creationId xmlns:a16="http://schemas.microsoft.com/office/drawing/2014/main" id="{C0C0AC27-E9E5-E85E-A24A-03D775629623}"/>
+              </a:ext>
+            </a:extLst>
+          </p:cNvPr>
+          <p:cNvSpPr txBox="1"/>
+          <p:nvPr/>
+        </p:nvSpPr>
+        <p:spPr>
+          <a:xfrm>
+            <a:off x="7087988" y="5929159"/>
+            <a:ext cx="2065283" cy="369332"/>
+          </a:xfrm>
+          <a:prstGeom prst="rect">
+            <a:avLst/>
+          </a:prstGeom>
+          <a:noFill/>
+        </p:spPr>
+        <p:txBody>
+          <a:bodyPr wrap="square" rtlCol="0">
+            <a:spAutoFit/>
+          </a:bodyPr>
+          <a:lstStyle/>
+          <a:p>
+            <a:pPr algn="ctr"/>
+            <a:r>
+              <a:rPr lang="en-US" altLang="ko-KR" b="1" dirty="0"/>
+              <a:t>&lt; print </a:t>
+            </a:r>
+            <a:r>
+              <a:rPr lang="ko-KR" altLang="en-US" b="1" dirty="0"/>
+              <a:t>결과 확인 </a:t>
+            </a:r>
+            <a:r>
+              <a:rPr lang="en-US" altLang="ko-KR" b="1" dirty="0"/>
+              <a:t>&gt;</a:t>
+            </a:r>
+            <a:endParaRPr lang="ko-KR" altLang="en-US" b="1" dirty="0"/>
+          </a:p>
+        </p:txBody>
+      </p:sp>
     </p:spTree>
     <p:extLst>
       <p:ext uri="{BB962C8B-B14F-4D97-AF65-F5344CB8AC3E}">
@@ -4547,6 +4817,51 @@
           </a:prstGeom>
         </p:spPr>
       </p:pic>
+      <p:sp>
+        <p:nvSpPr>
+          <p:cNvPr id="2" name="TextBox 1">
+            <a:extLst>
+              <a:ext uri="{FF2B5EF4-FFF2-40B4-BE49-F238E27FC236}">
+                <a16:creationId xmlns:a16="http://schemas.microsoft.com/office/drawing/2014/main" id="{90583D28-6B17-FA5F-436E-EB55F3BB1032}"/>
+              </a:ext>
+            </a:extLst>
+          </p:cNvPr>
+          <p:cNvSpPr txBox="1"/>
+          <p:nvPr/>
+        </p:nvSpPr>
+        <p:spPr>
+          <a:xfrm>
+            <a:off x="7645927" y="5480548"/>
+            <a:ext cx="2065283" cy="369332"/>
+          </a:xfrm>
+          <a:prstGeom prst="rect">
+            <a:avLst/>
+          </a:prstGeom>
+          <a:noFill/>
+        </p:spPr>
+        <p:txBody>
+          <a:bodyPr wrap="square" rtlCol="0">
+            <a:spAutoFit/>
+          </a:bodyPr>
+          <a:lstStyle/>
+          <a:p>
+            <a:pPr algn="ctr"/>
+            <a:r>
+              <a:rPr lang="en-US" altLang="ko-KR" b="1" dirty="0"/>
+              <a:t>&lt; print </a:t>
+            </a:r>
+            <a:r>
+              <a:rPr lang="ko-KR" altLang="en-US" b="1" dirty="0"/>
+              <a:t>결과 확인 </a:t>
+            </a:r>
+            <a:r>
+              <a:rPr lang="en-US" altLang="ko-KR" b="1" dirty="0"/>
+              <a:t>&gt;</a:t>
+            </a:r>
+            <a:endParaRPr lang="ko-KR" altLang="en-US" b="1" dirty="0"/>
+          </a:p>
+        </p:txBody>
+      </p:sp>
     </p:spTree>
     <p:extLst>
       <p:ext uri="{BB962C8B-B14F-4D97-AF65-F5344CB8AC3E}">
@@ -4716,8 +5031,8 @@
         </p:blipFill>
         <p:spPr>
           <a:xfrm>
-            <a:off x="394843" y="5220363"/>
-            <a:ext cx="3001500" cy="1293749"/>
+            <a:off x="394843" y="5537296"/>
+            <a:ext cx="2356106" cy="1015562"/>
           </a:xfrm>
           <a:prstGeom prst="rect">
             <a:avLst/>
@@ -4754,6 +5069,51 @@
           </a:prstGeom>
         </p:spPr>
       </p:pic>
+      <p:sp>
+        <p:nvSpPr>
+          <p:cNvPr id="2" name="TextBox 1">
+            <a:extLst>
+              <a:ext uri="{FF2B5EF4-FFF2-40B4-BE49-F238E27FC236}">
+                <a16:creationId xmlns:a16="http://schemas.microsoft.com/office/drawing/2014/main" id="{2E24EFC8-424D-4983-B106-220DC3AD1ADB}"/>
+              </a:ext>
+            </a:extLst>
+          </p:cNvPr>
+          <p:cNvSpPr txBox="1"/>
+          <p:nvPr/>
+        </p:nvSpPr>
+        <p:spPr>
+          <a:xfrm>
+            <a:off x="394843" y="5407438"/>
+            <a:ext cx="2065283" cy="369332"/>
+          </a:xfrm>
+          <a:prstGeom prst="rect">
+            <a:avLst/>
+          </a:prstGeom>
+          <a:noFill/>
+        </p:spPr>
+        <p:txBody>
+          <a:bodyPr wrap="square" rtlCol="0">
+            <a:spAutoFit/>
+          </a:bodyPr>
+          <a:lstStyle/>
+          <a:p>
+            <a:pPr algn="ctr"/>
+            <a:r>
+              <a:rPr lang="en-US" altLang="ko-KR" b="1" dirty="0"/>
+              <a:t>&lt; print </a:t>
+            </a:r>
+            <a:r>
+              <a:rPr lang="ko-KR" altLang="en-US" b="1" dirty="0"/>
+              <a:t>결과 확인 </a:t>
+            </a:r>
+            <a:r>
+              <a:rPr lang="en-US" altLang="ko-KR" b="1" dirty="0"/>
+              <a:t>&gt;</a:t>
+            </a:r>
+            <a:endParaRPr lang="ko-KR" altLang="en-US" b="1" dirty="0"/>
+          </a:p>
+        </p:txBody>
+      </p:sp>
     </p:spTree>
     <p:extLst>
       <p:ext uri="{BB962C8B-B14F-4D97-AF65-F5344CB8AC3E}">
@@ -4939,6 +5299,51 @@
           </a:prstGeom>
         </p:spPr>
       </p:pic>
+      <p:sp>
+        <p:nvSpPr>
+          <p:cNvPr id="2" name="TextBox 1">
+            <a:extLst>
+              <a:ext uri="{FF2B5EF4-FFF2-40B4-BE49-F238E27FC236}">
+                <a16:creationId xmlns:a16="http://schemas.microsoft.com/office/drawing/2014/main" id="{60702BEC-1776-4D79-5FE2-A9C8C673B01B}"/>
+              </a:ext>
+            </a:extLst>
+          </p:cNvPr>
+          <p:cNvSpPr txBox="1"/>
+          <p:nvPr/>
+        </p:nvSpPr>
+        <p:spPr>
+          <a:xfrm>
+            <a:off x="4882242" y="6047336"/>
+            <a:ext cx="2065283" cy="369332"/>
+          </a:xfrm>
+          <a:prstGeom prst="rect">
+            <a:avLst/>
+          </a:prstGeom>
+          <a:noFill/>
+        </p:spPr>
+        <p:txBody>
+          <a:bodyPr wrap="square" rtlCol="0">
+            <a:spAutoFit/>
+          </a:bodyPr>
+          <a:lstStyle/>
+          <a:p>
+            <a:pPr algn="ctr"/>
+            <a:r>
+              <a:rPr lang="en-US" altLang="ko-KR" b="1" dirty="0"/>
+              <a:t>&lt; print </a:t>
+            </a:r>
+            <a:r>
+              <a:rPr lang="ko-KR" altLang="en-US" b="1" dirty="0"/>
+              <a:t>결과 확인 </a:t>
+            </a:r>
+            <a:r>
+              <a:rPr lang="en-US" altLang="ko-KR" b="1" dirty="0"/>
+              <a:t>&gt;</a:t>
+            </a:r>
+            <a:endParaRPr lang="ko-KR" altLang="en-US" b="1" dirty="0"/>
+          </a:p>
+        </p:txBody>
+      </p:sp>
     </p:spTree>
     <p:extLst>
       <p:ext uri="{BB962C8B-B14F-4D97-AF65-F5344CB8AC3E}">
@@ -5029,6 +5434,51 @@
           </a:prstGeom>
         </p:spPr>
       </p:pic>
+      <p:sp>
+        <p:nvSpPr>
+          <p:cNvPr id="2" name="TextBox 1">
+            <a:extLst>
+              <a:ext uri="{FF2B5EF4-FFF2-40B4-BE49-F238E27FC236}">
+                <a16:creationId xmlns:a16="http://schemas.microsoft.com/office/drawing/2014/main" id="{8D68032E-8215-EA57-DA6D-DF1F264D6F67}"/>
+              </a:ext>
+            </a:extLst>
+          </p:cNvPr>
+          <p:cNvSpPr txBox="1"/>
+          <p:nvPr/>
+        </p:nvSpPr>
+        <p:spPr>
+          <a:xfrm>
+            <a:off x="7351459" y="5459956"/>
+            <a:ext cx="2065283" cy="369332"/>
+          </a:xfrm>
+          <a:prstGeom prst="rect">
+            <a:avLst/>
+          </a:prstGeom>
+          <a:noFill/>
+        </p:spPr>
+        <p:txBody>
+          <a:bodyPr wrap="square" rtlCol="0">
+            <a:spAutoFit/>
+          </a:bodyPr>
+          <a:lstStyle/>
+          <a:p>
+            <a:pPr algn="ctr"/>
+            <a:r>
+              <a:rPr lang="en-US" altLang="ko-KR" b="1" dirty="0"/>
+              <a:t>&lt; print </a:t>
+            </a:r>
+            <a:r>
+              <a:rPr lang="ko-KR" altLang="en-US" b="1" dirty="0"/>
+              <a:t>결과 확인 </a:t>
+            </a:r>
+            <a:r>
+              <a:rPr lang="en-US" altLang="ko-KR" b="1" dirty="0"/>
+              <a:t>&gt;</a:t>
+            </a:r>
+            <a:endParaRPr lang="ko-KR" altLang="en-US" b="1" dirty="0"/>
+          </a:p>
+        </p:txBody>
+      </p:sp>
     </p:spTree>
     <p:extLst>
       <p:ext uri="{BB962C8B-B14F-4D97-AF65-F5344CB8AC3E}">
@@ -5119,6 +5569,51 @@
           </a:prstGeom>
         </p:spPr>
       </p:pic>
+      <p:sp>
+        <p:nvSpPr>
+          <p:cNvPr id="2" name="TextBox 1">
+            <a:extLst>
+              <a:ext uri="{FF2B5EF4-FFF2-40B4-BE49-F238E27FC236}">
+                <a16:creationId xmlns:a16="http://schemas.microsoft.com/office/drawing/2014/main" id="{77BC141C-9F46-8D76-FFBB-A3CECA093DB1}"/>
+              </a:ext>
+            </a:extLst>
+          </p:cNvPr>
+          <p:cNvSpPr txBox="1"/>
+          <p:nvPr/>
+        </p:nvSpPr>
+        <p:spPr>
+          <a:xfrm>
+            <a:off x="3670612" y="5312607"/>
+            <a:ext cx="2065283" cy="369332"/>
+          </a:xfrm>
+          <a:prstGeom prst="rect">
+            <a:avLst/>
+          </a:prstGeom>
+          <a:noFill/>
+        </p:spPr>
+        <p:txBody>
+          <a:bodyPr wrap="square" rtlCol="0">
+            <a:spAutoFit/>
+          </a:bodyPr>
+          <a:lstStyle/>
+          <a:p>
+            <a:pPr algn="ctr"/>
+            <a:r>
+              <a:rPr lang="en-US" altLang="ko-KR" b="1" dirty="0"/>
+              <a:t>&lt; print </a:t>
+            </a:r>
+            <a:r>
+              <a:rPr lang="ko-KR" altLang="en-US" b="1" dirty="0"/>
+              <a:t>결과 확인 </a:t>
+            </a:r>
+            <a:r>
+              <a:rPr lang="en-US" altLang="ko-KR" b="1" dirty="0"/>
+              <a:t>&gt;</a:t>
+            </a:r>
+            <a:endParaRPr lang="ko-KR" altLang="en-US" b="1" dirty="0"/>
+          </a:p>
+        </p:txBody>
+      </p:sp>
     </p:spTree>
     <p:extLst>
       <p:ext uri="{BB962C8B-B14F-4D97-AF65-F5344CB8AC3E}">
@@ -5185,16 +5680,16 @@
                 </a:solidFill>
                 <a:latin typeface="+mn-ea"/>
               </a:rPr>
-              <a:t>&lt; </a:t>
-            </a:r>
-            <a:r>
-              <a:rPr lang="ko-KR" altLang="en-US" sz="4800" b="1" dirty="0">
+              <a:t>&lt; 13</a:t>
+            </a:r>
+            <a:r>
+              <a:rPr lang="ko-KR" altLang="en-US" sz="4800" b="1">
                 <a:solidFill>
                   <a:schemeClr val="accent1"/>
                 </a:solidFill>
                 <a:latin typeface="+mn-ea"/>
               </a:rPr>
-              <a:t>정리하기 </a:t>
+              <a:t>강 정리하기 </a:t>
             </a:r>
             <a:r>
               <a:rPr lang="en-US" altLang="ko-KR" sz="4800" b="1" dirty="0">
@@ -5729,6 +6224,51 @@
           </a:prstGeom>
         </p:spPr>
       </p:pic>
+      <p:sp>
+        <p:nvSpPr>
+          <p:cNvPr id="2" name="TextBox 1">
+            <a:extLst>
+              <a:ext uri="{FF2B5EF4-FFF2-40B4-BE49-F238E27FC236}">
+                <a16:creationId xmlns:a16="http://schemas.microsoft.com/office/drawing/2014/main" id="{AA8C007D-11A7-4503-6959-D0B2BE8A03F9}"/>
+              </a:ext>
+            </a:extLst>
+          </p:cNvPr>
+          <p:cNvSpPr txBox="1"/>
+          <p:nvPr/>
+        </p:nvSpPr>
+        <p:spPr>
+          <a:xfrm>
+            <a:off x="9612443" y="484280"/>
+            <a:ext cx="2065283" cy="369332"/>
+          </a:xfrm>
+          <a:prstGeom prst="rect">
+            <a:avLst/>
+          </a:prstGeom>
+          <a:noFill/>
+        </p:spPr>
+        <p:txBody>
+          <a:bodyPr wrap="square" rtlCol="0">
+            <a:spAutoFit/>
+          </a:bodyPr>
+          <a:lstStyle/>
+          <a:p>
+            <a:pPr algn="ctr"/>
+            <a:r>
+              <a:rPr lang="en-US" altLang="ko-KR" b="1" dirty="0"/>
+              <a:t>&lt; print </a:t>
+            </a:r>
+            <a:r>
+              <a:rPr lang="ko-KR" altLang="en-US" b="1" dirty="0"/>
+              <a:t>결과 확인 </a:t>
+            </a:r>
+            <a:r>
+              <a:rPr lang="en-US" altLang="ko-KR" b="1" dirty="0"/>
+              <a:t>&gt;</a:t>
+            </a:r>
+            <a:endParaRPr lang="ko-KR" altLang="en-US" b="1" dirty="0"/>
+          </a:p>
+        </p:txBody>
+      </p:sp>
     </p:spTree>
     <p:extLst>
       <p:ext uri="{BB962C8B-B14F-4D97-AF65-F5344CB8AC3E}">
